--- a/web/react/흐름 그리기.pptx
+++ b/web/react/흐름 그리기.pptx
@@ -106,6 +106,11 @@
       </a:defRPr>
     </a:lvl9pPr>
   </p:defaultTextStyle>
+  <p:extLst>
+    <p:ext uri="{EFAFB233-063F-42B5-8137-9DF3F51BA10A}">
+      <p15:sldGuideLst xmlns:p15="http://schemas.microsoft.com/office/powerpoint/2012/main"/>
+    </p:ext>
+  </p:extLst>
 </p:presentation>
 </file>
 
@@ -256,7 +261,7 @@
           <a:p>
             <a:fld id="{2979748F-8A78-4E49-8B19-3124094AC8C9}" type="datetimeFigureOut">
               <a:rPr lang="ko-KR" altLang="en-US" smtClean="0"/>
-              <a:t>2020-02-12</a:t>
+              <a:t>2020-02-13</a:t>
             </a:fld>
             <a:endParaRPr lang="ko-KR" altLang="en-US"/>
           </a:p>
@@ -454,7 +459,7 @@
           <a:p>
             <a:fld id="{2979748F-8A78-4E49-8B19-3124094AC8C9}" type="datetimeFigureOut">
               <a:rPr lang="ko-KR" altLang="en-US" smtClean="0"/>
-              <a:t>2020-02-12</a:t>
+              <a:t>2020-02-13</a:t>
             </a:fld>
             <a:endParaRPr lang="ko-KR" altLang="en-US"/>
           </a:p>
@@ -662,7 +667,7 @@
           <a:p>
             <a:fld id="{2979748F-8A78-4E49-8B19-3124094AC8C9}" type="datetimeFigureOut">
               <a:rPr lang="ko-KR" altLang="en-US" smtClean="0"/>
-              <a:t>2020-02-12</a:t>
+              <a:t>2020-02-13</a:t>
             </a:fld>
             <a:endParaRPr lang="ko-KR" altLang="en-US"/>
           </a:p>
@@ -860,7 +865,7 @@
           <a:p>
             <a:fld id="{2979748F-8A78-4E49-8B19-3124094AC8C9}" type="datetimeFigureOut">
               <a:rPr lang="ko-KR" altLang="en-US" smtClean="0"/>
-              <a:t>2020-02-12</a:t>
+              <a:t>2020-02-13</a:t>
             </a:fld>
             <a:endParaRPr lang="ko-KR" altLang="en-US"/>
           </a:p>
@@ -1135,7 +1140,7 @@
           <a:p>
             <a:fld id="{2979748F-8A78-4E49-8B19-3124094AC8C9}" type="datetimeFigureOut">
               <a:rPr lang="ko-KR" altLang="en-US" smtClean="0"/>
-              <a:t>2020-02-12</a:t>
+              <a:t>2020-02-13</a:t>
             </a:fld>
             <a:endParaRPr lang="ko-KR" altLang="en-US"/>
           </a:p>
@@ -1400,7 +1405,7 @@
           <a:p>
             <a:fld id="{2979748F-8A78-4E49-8B19-3124094AC8C9}" type="datetimeFigureOut">
               <a:rPr lang="ko-KR" altLang="en-US" smtClean="0"/>
-              <a:t>2020-02-12</a:t>
+              <a:t>2020-02-13</a:t>
             </a:fld>
             <a:endParaRPr lang="ko-KR" altLang="en-US"/>
           </a:p>
@@ -1812,7 +1817,7 @@
           <a:p>
             <a:fld id="{2979748F-8A78-4E49-8B19-3124094AC8C9}" type="datetimeFigureOut">
               <a:rPr lang="ko-KR" altLang="en-US" smtClean="0"/>
-              <a:t>2020-02-12</a:t>
+              <a:t>2020-02-13</a:t>
             </a:fld>
             <a:endParaRPr lang="ko-KR" altLang="en-US"/>
           </a:p>
@@ -1953,7 +1958,7 @@
           <a:p>
             <a:fld id="{2979748F-8A78-4E49-8B19-3124094AC8C9}" type="datetimeFigureOut">
               <a:rPr lang="ko-KR" altLang="en-US" smtClean="0"/>
-              <a:t>2020-02-12</a:t>
+              <a:t>2020-02-13</a:t>
             </a:fld>
             <a:endParaRPr lang="ko-KR" altLang="en-US"/>
           </a:p>
@@ -2066,7 +2071,7 @@
           <a:p>
             <a:fld id="{2979748F-8A78-4E49-8B19-3124094AC8C9}" type="datetimeFigureOut">
               <a:rPr lang="ko-KR" altLang="en-US" smtClean="0"/>
-              <a:t>2020-02-12</a:t>
+              <a:t>2020-02-13</a:t>
             </a:fld>
             <a:endParaRPr lang="ko-KR" altLang="en-US"/>
           </a:p>
@@ -2377,7 +2382,7 @@
           <a:p>
             <a:fld id="{2979748F-8A78-4E49-8B19-3124094AC8C9}" type="datetimeFigureOut">
               <a:rPr lang="ko-KR" altLang="en-US" smtClean="0"/>
-              <a:t>2020-02-12</a:t>
+              <a:t>2020-02-13</a:t>
             </a:fld>
             <a:endParaRPr lang="ko-KR" altLang="en-US"/>
           </a:p>
@@ -2665,7 +2670,7 @@
           <a:p>
             <a:fld id="{2979748F-8A78-4E49-8B19-3124094AC8C9}" type="datetimeFigureOut">
               <a:rPr lang="ko-KR" altLang="en-US" smtClean="0"/>
-              <a:t>2020-02-12</a:t>
+              <a:t>2020-02-13</a:t>
             </a:fld>
             <a:endParaRPr lang="ko-KR" altLang="en-US"/>
           </a:p>
@@ -2906,7 +2911,7 @@
           <a:p>
             <a:fld id="{2979748F-8A78-4E49-8B19-3124094AC8C9}" type="datetimeFigureOut">
               <a:rPr lang="ko-KR" altLang="en-US" smtClean="0"/>
-              <a:t>2020-02-12</a:t>
+              <a:t>2020-02-13</a:t>
             </a:fld>
             <a:endParaRPr lang="ko-KR" altLang="en-US"/>
           </a:p>
@@ -4955,6 +4960,100 @@
           </a:p>
         </p:txBody>
       </p:sp>
+      <p:sp>
+        <p:nvSpPr>
+          <p:cNvPr id="4" name="TextBox 3">
+            <a:extLst>
+              <a:ext uri="{FF2B5EF4-FFF2-40B4-BE49-F238E27FC236}">
+                <a16:creationId xmlns:a16="http://schemas.microsoft.com/office/drawing/2014/main" id="{ECC40811-00F8-471F-855D-AC6937D49896}"/>
+              </a:ext>
+            </a:extLst>
+          </p:cNvPr>
+          <p:cNvSpPr txBox="1"/>
+          <p:nvPr/>
+        </p:nvSpPr>
+        <p:spPr>
+          <a:xfrm>
+            <a:off x="3632434" y="5469622"/>
+            <a:ext cx="2759978" cy="261610"/>
+          </a:xfrm>
+          <a:prstGeom prst="rect">
+            <a:avLst/>
+          </a:prstGeom>
+          <a:noFill/>
+        </p:spPr>
+        <p:txBody>
+          <a:bodyPr wrap="square" rtlCol="0">
+            <a:spAutoFit/>
+          </a:bodyPr>
+          <a:lstStyle/>
+          <a:p>
+            <a:r>
+              <a:rPr lang="en-US" altLang="ko-KR" sz="1100" dirty="0" err="1"/>
+              <a:t>Login_name</a:t>
+            </a:r>
+            <a:r>
+              <a:rPr lang="en-US" altLang="ko-KR" sz="1100" dirty="0"/>
+              <a:t> </a:t>
+            </a:r>
+            <a:r>
+              <a:rPr lang="ko-KR" altLang="en-US" sz="1100" dirty="0"/>
+              <a:t>쿠키 생성</a:t>
+            </a:r>
+          </a:p>
+        </p:txBody>
+      </p:sp>
+      <p:sp>
+        <p:nvSpPr>
+          <p:cNvPr id="5" name="TextBox 4">
+            <a:extLst>
+              <a:ext uri="{FF2B5EF4-FFF2-40B4-BE49-F238E27FC236}">
+                <a16:creationId xmlns:a16="http://schemas.microsoft.com/office/drawing/2014/main" id="{DC8DDDC4-EFFA-4A97-8310-335990D4D5DA}"/>
+              </a:ext>
+            </a:extLst>
+          </p:cNvPr>
+          <p:cNvSpPr txBox="1"/>
+          <p:nvPr/>
+        </p:nvSpPr>
+        <p:spPr>
+          <a:xfrm>
+            <a:off x="3414320" y="6292289"/>
+            <a:ext cx="1937857" cy="400110"/>
+          </a:xfrm>
+          <a:prstGeom prst="rect">
+            <a:avLst/>
+          </a:prstGeom>
+          <a:noFill/>
+        </p:spPr>
+        <p:txBody>
+          <a:bodyPr wrap="square" rtlCol="0">
+            <a:spAutoFit/>
+          </a:bodyPr>
+          <a:lstStyle/>
+          <a:p>
+            <a:r>
+              <a:rPr lang="en-US" altLang="ko-KR" sz="1000" dirty="0"/>
+              <a:t>Session id</a:t>
+            </a:r>
+            <a:r>
+              <a:rPr lang="ko-KR" altLang="en-US" sz="1000" dirty="0"/>
+              <a:t>가 있는 쿠키와 </a:t>
+            </a:r>
+            <a:r>
+              <a:rPr lang="en-US" altLang="ko-KR" sz="1000" dirty="0" err="1"/>
+              <a:t>login_name</a:t>
+            </a:r>
+            <a:r>
+              <a:rPr lang="en-US" altLang="ko-KR" sz="1000" dirty="0"/>
+              <a:t> </a:t>
+            </a:r>
+            <a:r>
+              <a:rPr lang="ko-KR" altLang="en-US" sz="1000" dirty="0"/>
+              <a:t>쿠키 전달</a:t>
+            </a:r>
+          </a:p>
+        </p:txBody>
+      </p:sp>
     </p:spTree>
     <p:extLst>
       <p:ext uri="{BB962C8B-B14F-4D97-AF65-F5344CB8AC3E}">
